--- a/music recommendation using facial expression.pptx
+++ b/music recommendation using facial expression.pptx
@@ -5,7 +5,7 @@
     <p:sldMasterId id="2147483648" r:id="rId1"/>
   </p:sldMasterIdLst>
   <p:notesMasterIdLst>
-    <p:notesMasterId r:id="rId12"/>
+    <p:notesMasterId r:id="rId11"/>
   </p:notesMasterIdLst>
   <p:sldIdLst>
     <p:sldId id="256" r:id="rId2"/>
@@ -14,10 +14,9 @@
     <p:sldId id="259" r:id="rId5"/>
     <p:sldId id="258" r:id="rId6"/>
     <p:sldId id="260" r:id="rId7"/>
-    <p:sldId id="267" r:id="rId8"/>
-    <p:sldId id="262" r:id="rId9"/>
-    <p:sldId id="263" r:id="rId10"/>
-    <p:sldId id="265" r:id="rId11"/>
+    <p:sldId id="262" r:id="rId8"/>
+    <p:sldId id="263" r:id="rId9"/>
+    <p:sldId id="265" r:id="rId10"/>
   </p:sldIdLst>
   <p:sldSz cx="9144000" cy="5143500" type="screen16x9"/>
   <p:notesSz cx="6858000" cy="9144000"/>
@@ -2660,481 +2659,6 @@
 </file>
 
 <file path=ppt/slideLayouts/slideLayout2.xml><?xml version="1.0" encoding="utf-8"?>
-<p:sldLayout xmlns:a="http://schemas.openxmlformats.org/drawingml/2006/main" xmlns:r="http://schemas.openxmlformats.org/officeDocument/2006/relationships" xmlns:p="http://schemas.openxmlformats.org/presentationml/2006/main" matchingName="Section header" type="secHead">
-  <p:cSld name="SECTION_HEADER">
-    <p:spTree>
-      <p:nvGrpSpPr>
-        <p:cNvPr id="1" name="Shape 19"/>
-        <p:cNvGrpSpPr/>
-        <p:nvPr/>
-      </p:nvGrpSpPr>
-      <p:grpSpPr>
-        <a:xfrm>
-          <a:off x="0" y="0"/>
-          <a:ext cx="0" cy="0"/>
-          <a:chOff x="0" y="0"/>
-          <a:chExt cx="0" cy="0"/>
-        </a:xfrm>
-      </p:grpSpPr>
-      <p:sp>
-        <p:nvSpPr>
-          <p:cNvPr id="20" name="Google Shape;20;p9"/>
-          <p:cNvSpPr txBox="1">
-            <a:spLocks noGrp="1"/>
-          </p:cNvSpPr>
-          <p:nvPr>
-            <p:ph type="title"/>
-          </p:nvPr>
-        </p:nvSpPr>
-        <p:spPr>
-          <a:xfrm>
-            <a:off x="311700" y="2150850"/>
-            <a:ext cx="8520600" cy="841800"/>
-          </a:xfrm>
-          <a:prstGeom prst="rect">
-            <a:avLst/>
-          </a:prstGeom>
-          <a:noFill/>
-          <a:ln>
-            <a:noFill/>
-          </a:ln>
-        </p:spPr>
-        <p:txBody>
-          <a:bodyPr spcFirstLastPara="1" wrap="square" lIns="91425" tIns="91425" rIns="91425" bIns="91425" anchor="ctr" anchorCtr="0">
-            <a:normAutofit/>
-          </a:bodyPr>
-          <a:lstStyle>
-            <a:lvl1pPr lvl="0" algn="ctr">
-              <a:lnSpc>
-                <a:spcPct val="100000"/>
-              </a:lnSpc>
-              <a:spcBef>
-                <a:spcPts val="0"/>
-              </a:spcBef>
-              <a:spcAft>
-                <a:spcPts val="0"/>
-              </a:spcAft>
-              <a:buSzPts val="3600"/>
-              <a:buNone/>
-              <a:defRPr sz="3600"/>
-            </a:lvl1pPr>
-            <a:lvl2pPr lvl="1" algn="ctr">
-              <a:lnSpc>
-                <a:spcPct val="100000"/>
-              </a:lnSpc>
-              <a:spcBef>
-                <a:spcPts val="0"/>
-              </a:spcBef>
-              <a:spcAft>
-                <a:spcPts val="0"/>
-              </a:spcAft>
-              <a:buSzPts val="3600"/>
-              <a:buNone/>
-              <a:defRPr sz="3600"/>
-            </a:lvl2pPr>
-            <a:lvl3pPr lvl="2" algn="ctr">
-              <a:lnSpc>
-                <a:spcPct val="100000"/>
-              </a:lnSpc>
-              <a:spcBef>
-                <a:spcPts val="0"/>
-              </a:spcBef>
-              <a:spcAft>
-                <a:spcPts val="0"/>
-              </a:spcAft>
-              <a:buSzPts val="3600"/>
-              <a:buNone/>
-              <a:defRPr sz="3600"/>
-            </a:lvl3pPr>
-            <a:lvl4pPr lvl="3" algn="ctr">
-              <a:lnSpc>
-                <a:spcPct val="100000"/>
-              </a:lnSpc>
-              <a:spcBef>
-                <a:spcPts val="0"/>
-              </a:spcBef>
-              <a:spcAft>
-                <a:spcPts val="0"/>
-              </a:spcAft>
-              <a:buSzPts val="3600"/>
-              <a:buNone/>
-              <a:defRPr sz="3600"/>
-            </a:lvl4pPr>
-            <a:lvl5pPr lvl="4" algn="ctr">
-              <a:lnSpc>
-                <a:spcPct val="100000"/>
-              </a:lnSpc>
-              <a:spcBef>
-                <a:spcPts val="0"/>
-              </a:spcBef>
-              <a:spcAft>
-                <a:spcPts val="0"/>
-              </a:spcAft>
-              <a:buSzPts val="3600"/>
-              <a:buNone/>
-              <a:defRPr sz="3600"/>
-            </a:lvl5pPr>
-            <a:lvl6pPr lvl="5" algn="ctr">
-              <a:lnSpc>
-                <a:spcPct val="100000"/>
-              </a:lnSpc>
-              <a:spcBef>
-                <a:spcPts val="0"/>
-              </a:spcBef>
-              <a:spcAft>
-                <a:spcPts val="0"/>
-              </a:spcAft>
-              <a:buSzPts val="3600"/>
-              <a:buNone/>
-              <a:defRPr sz="3600"/>
-            </a:lvl6pPr>
-            <a:lvl7pPr lvl="6" algn="ctr">
-              <a:lnSpc>
-                <a:spcPct val="100000"/>
-              </a:lnSpc>
-              <a:spcBef>
-                <a:spcPts val="0"/>
-              </a:spcBef>
-              <a:spcAft>
-                <a:spcPts val="0"/>
-              </a:spcAft>
-              <a:buSzPts val="3600"/>
-              <a:buNone/>
-              <a:defRPr sz="3600"/>
-            </a:lvl7pPr>
-            <a:lvl8pPr lvl="7" algn="ctr">
-              <a:lnSpc>
-                <a:spcPct val="100000"/>
-              </a:lnSpc>
-              <a:spcBef>
-                <a:spcPts val="0"/>
-              </a:spcBef>
-              <a:spcAft>
-                <a:spcPts val="0"/>
-              </a:spcAft>
-              <a:buSzPts val="3600"/>
-              <a:buNone/>
-              <a:defRPr sz="3600"/>
-            </a:lvl8pPr>
-            <a:lvl9pPr lvl="8" algn="ctr">
-              <a:lnSpc>
-                <a:spcPct val="100000"/>
-              </a:lnSpc>
-              <a:spcBef>
-                <a:spcPts val="0"/>
-              </a:spcBef>
-              <a:spcAft>
-                <a:spcPts val="0"/>
-              </a:spcAft>
-              <a:buSzPts val="3600"/>
-              <a:buNone/>
-              <a:defRPr sz="3600"/>
-            </a:lvl9pPr>
-          </a:lstStyle>
-          <a:p>
-            <a:endParaRPr/>
-          </a:p>
-        </p:txBody>
-      </p:sp>
-      <p:sp>
-        <p:nvSpPr>
-          <p:cNvPr id="21" name="Google Shape;21;p9"/>
-          <p:cNvSpPr txBox="1">
-            <a:spLocks noGrp="1"/>
-          </p:cNvSpPr>
-          <p:nvPr>
-            <p:ph type="sldNum" idx="12"/>
-          </p:nvPr>
-        </p:nvSpPr>
-        <p:spPr>
-          <a:xfrm>
-            <a:off x="8472458" y="4663217"/>
-            <a:ext cx="548700" cy="393600"/>
-          </a:xfrm>
-          <a:prstGeom prst="rect">
-            <a:avLst/>
-          </a:prstGeom>
-          <a:noFill/>
-          <a:ln>
-            <a:noFill/>
-          </a:ln>
-        </p:spPr>
-        <p:txBody>
-          <a:bodyPr spcFirstLastPara="1" wrap="square" lIns="91425" tIns="91425" rIns="91425" bIns="91425" anchor="ctr" anchorCtr="0">
-            <a:normAutofit/>
-          </a:bodyPr>
-          <a:lstStyle>
-            <a:lvl1pPr marL="0" marR="0" lvl="0" indent="0" algn="r">
-              <a:lnSpc>
-                <a:spcPct val="100000"/>
-              </a:lnSpc>
-              <a:spcBef>
-                <a:spcPts val="0"/>
-              </a:spcBef>
-              <a:spcAft>
-                <a:spcPts val="0"/>
-              </a:spcAft>
-              <a:buClr>
-                <a:srgbClr val="000000"/>
-              </a:buClr>
-              <a:buSzPts val="1000"/>
-              <a:buFont typeface="Arial"/>
-              <a:buNone/>
-              <a:defRPr sz="1000" b="0" i="0" u="none" strike="noStrike" cap="none">
-                <a:solidFill>
-                  <a:schemeClr val="dk2"/>
-                </a:solidFill>
-                <a:latin typeface="Arial"/>
-                <a:ea typeface="Arial"/>
-                <a:cs typeface="Arial"/>
-                <a:sym typeface="Arial"/>
-              </a:defRPr>
-            </a:lvl1pPr>
-            <a:lvl2pPr marL="0" marR="0" lvl="1" indent="0" algn="r">
-              <a:lnSpc>
-                <a:spcPct val="100000"/>
-              </a:lnSpc>
-              <a:spcBef>
-                <a:spcPts val="0"/>
-              </a:spcBef>
-              <a:spcAft>
-                <a:spcPts val="0"/>
-              </a:spcAft>
-              <a:buClr>
-                <a:srgbClr val="000000"/>
-              </a:buClr>
-              <a:buSzPts val="1000"/>
-              <a:buFont typeface="Arial"/>
-              <a:buNone/>
-              <a:defRPr sz="1000" b="0" i="0" u="none" strike="noStrike" cap="none">
-                <a:solidFill>
-                  <a:schemeClr val="dk2"/>
-                </a:solidFill>
-                <a:latin typeface="Arial"/>
-                <a:ea typeface="Arial"/>
-                <a:cs typeface="Arial"/>
-                <a:sym typeface="Arial"/>
-              </a:defRPr>
-            </a:lvl2pPr>
-            <a:lvl3pPr marL="0" marR="0" lvl="2" indent="0" algn="r">
-              <a:lnSpc>
-                <a:spcPct val="100000"/>
-              </a:lnSpc>
-              <a:spcBef>
-                <a:spcPts val="0"/>
-              </a:spcBef>
-              <a:spcAft>
-                <a:spcPts val="0"/>
-              </a:spcAft>
-              <a:buClr>
-                <a:srgbClr val="000000"/>
-              </a:buClr>
-              <a:buSzPts val="1000"/>
-              <a:buFont typeface="Arial"/>
-              <a:buNone/>
-              <a:defRPr sz="1000" b="0" i="0" u="none" strike="noStrike" cap="none">
-                <a:solidFill>
-                  <a:schemeClr val="dk2"/>
-                </a:solidFill>
-                <a:latin typeface="Arial"/>
-                <a:ea typeface="Arial"/>
-                <a:cs typeface="Arial"/>
-                <a:sym typeface="Arial"/>
-              </a:defRPr>
-            </a:lvl3pPr>
-            <a:lvl4pPr marL="0" marR="0" lvl="3" indent="0" algn="r">
-              <a:lnSpc>
-                <a:spcPct val="100000"/>
-              </a:lnSpc>
-              <a:spcBef>
-                <a:spcPts val="0"/>
-              </a:spcBef>
-              <a:spcAft>
-                <a:spcPts val="0"/>
-              </a:spcAft>
-              <a:buClr>
-                <a:srgbClr val="000000"/>
-              </a:buClr>
-              <a:buSzPts val="1000"/>
-              <a:buFont typeface="Arial"/>
-              <a:buNone/>
-              <a:defRPr sz="1000" b="0" i="0" u="none" strike="noStrike" cap="none">
-                <a:solidFill>
-                  <a:schemeClr val="dk2"/>
-                </a:solidFill>
-                <a:latin typeface="Arial"/>
-                <a:ea typeface="Arial"/>
-                <a:cs typeface="Arial"/>
-                <a:sym typeface="Arial"/>
-              </a:defRPr>
-            </a:lvl4pPr>
-            <a:lvl5pPr marL="0" marR="0" lvl="4" indent="0" algn="r">
-              <a:lnSpc>
-                <a:spcPct val="100000"/>
-              </a:lnSpc>
-              <a:spcBef>
-                <a:spcPts val="0"/>
-              </a:spcBef>
-              <a:spcAft>
-                <a:spcPts val="0"/>
-              </a:spcAft>
-              <a:buClr>
-                <a:srgbClr val="000000"/>
-              </a:buClr>
-              <a:buSzPts val="1000"/>
-              <a:buFont typeface="Arial"/>
-              <a:buNone/>
-              <a:defRPr sz="1000" b="0" i="0" u="none" strike="noStrike" cap="none">
-                <a:solidFill>
-                  <a:schemeClr val="dk2"/>
-                </a:solidFill>
-                <a:latin typeface="Arial"/>
-                <a:ea typeface="Arial"/>
-                <a:cs typeface="Arial"/>
-                <a:sym typeface="Arial"/>
-              </a:defRPr>
-            </a:lvl5pPr>
-            <a:lvl6pPr marL="0" marR="0" lvl="5" indent="0" algn="r">
-              <a:lnSpc>
-                <a:spcPct val="100000"/>
-              </a:lnSpc>
-              <a:spcBef>
-                <a:spcPts val="0"/>
-              </a:spcBef>
-              <a:spcAft>
-                <a:spcPts val="0"/>
-              </a:spcAft>
-              <a:buClr>
-                <a:srgbClr val="000000"/>
-              </a:buClr>
-              <a:buSzPts val="1000"/>
-              <a:buFont typeface="Arial"/>
-              <a:buNone/>
-              <a:defRPr sz="1000" b="0" i="0" u="none" strike="noStrike" cap="none">
-                <a:solidFill>
-                  <a:schemeClr val="dk2"/>
-                </a:solidFill>
-                <a:latin typeface="Arial"/>
-                <a:ea typeface="Arial"/>
-                <a:cs typeface="Arial"/>
-                <a:sym typeface="Arial"/>
-              </a:defRPr>
-            </a:lvl6pPr>
-            <a:lvl7pPr marL="0" marR="0" lvl="6" indent="0" algn="r">
-              <a:lnSpc>
-                <a:spcPct val="100000"/>
-              </a:lnSpc>
-              <a:spcBef>
-                <a:spcPts val="0"/>
-              </a:spcBef>
-              <a:spcAft>
-                <a:spcPts val="0"/>
-              </a:spcAft>
-              <a:buClr>
-                <a:srgbClr val="000000"/>
-              </a:buClr>
-              <a:buSzPts val="1000"/>
-              <a:buFont typeface="Arial"/>
-              <a:buNone/>
-              <a:defRPr sz="1000" b="0" i="0" u="none" strike="noStrike" cap="none">
-                <a:solidFill>
-                  <a:schemeClr val="dk2"/>
-                </a:solidFill>
-                <a:latin typeface="Arial"/>
-                <a:ea typeface="Arial"/>
-                <a:cs typeface="Arial"/>
-                <a:sym typeface="Arial"/>
-              </a:defRPr>
-            </a:lvl7pPr>
-            <a:lvl8pPr marL="0" marR="0" lvl="7" indent="0" algn="r">
-              <a:lnSpc>
-                <a:spcPct val="100000"/>
-              </a:lnSpc>
-              <a:spcBef>
-                <a:spcPts val="0"/>
-              </a:spcBef>
-              <a:spcAft>
-                <a:spcPts val="0"/>
-              </a:spcAft>
-              <a:buClr>
-                <a:srgbClr val="000000"/>
-              </a:buClr>
-              <a:buSzPts val="1000"/>
-              <a:buFont typeface="Arial"/>
-              <a:buNone/>
-              <a:defRPr sz="1000" b="0" i="0" u="none" strike="noStrike" cap="none">
-                <a:solidFill>
-                  <a:schemeClr val="dk2"/>
-                </a:solidFill>
-                <a:latin typeface="Arial"/>
-                <a:ea typeface="Arial"/>
-                <a:cs typeface="Arial"/>
-                <a:sym typeface="Arial"/>
-              </a:defRPr>
-            </a:lvl8pPr>
-            <a:lvl9pPr marL="0" marR="0" lvl="8" indent="0" algn="r">
-              <a:lnSpc>
-                <a:spcPct val="100000"/>
-              </a:lnSpc>
-              <a:spcBef>
-                <a:spcPts val="0"/>
-              </a:spcBef>
-              <a:spcAft>
-                <a:spcPts val="0"/>
-              </a:spcAft>
-              <a:buClr>
-                <a:srgbClr val="000000"/>
-              </a:buClr>
-              <a:buSzPts val="1000"/>
-              <a:buFont typeface="Arial"/>
-              <a:buNone/>
-              <a:defRPr sz="1000" b="0" i="0" u="none" strike="noStrike" cap="none">
-                <a:solidFill>
-                  <a:schemeClr val="dk2"/>
-                </a:solidFill>
-                <a:latin typeface="Arial"/>
-                <a:ea typeface="Arial"/>
-                <a:cs typeface="Arial"/>
-                <a:sym typeface="Arial"/>
-              </a:defRPr>
-            </a:lvl9pPr>
-          </a:lstStyle>
-          <a:p>
-            <a:pPr marL="0" lvl="0" indent="0" algn="r" rtl="0">
-              <a:spcBef>
-                <a:spcPts val="0"/>
-              </a:spcBef>
-              <a:spcAft>
-                <a:spcPts val="0"/>
-              </a:spcAft>
-              <a:buNone/>
-            </a:pPr>
-            <a:fld id="{00000000-1234-1234-1234-123412341234}" type="slidenum">
-              <a:rPr lang="en"/>
-              <a:pPr marL="0" lvl="0" indent="0" algn="r" rtl="0">
-                <a:spcBef>
-                  <a:spcPts val="0"/>
-                </a:spcBef>
-                <a:spcAft>
-                  <a:spcPts val="0"/>
-                </a:spcAft>
-                <a:buNone/>
-              </a:pPr>
-              <a:t>‹#›</a:t>
-            </a:fld>
-            <a:endParaRPr/>
-          </a:p>
-        </p:txBody>
-      </p:sp>
-    </p:spTree>
-  </p:cSld>
-  <p:clrMapOvr>
-    <a:masterClrMapping/>
-  </p:clrMapOvr>
-</p:sldLayout>
-</file>
-
-<file path=ppt/slideLayouts/slideLayout3.xml><?xml version="1.0" encoding="utf-8"?>
 <p:sldLayout xmlns:a="http://schemas.openxmlformats.org/drawingml/2006/main" xmlns:r="http://schemas.openxmlformats.org/officeDocument/2006/relationships" xmlns:p="http://schemas.openxmlformats.org/presentationml/2006/main" matchingName="Title and two columns" type="twoColTx">
   <p:cSld name="TITLE_AND_TWO_COLUMNS">
     <p:spTree>
@@ -3929,7 +3453,7 @@
 </p:sldLayout>
 </file>
 
-<file path=ppt/slideLayouts/slideLayout4.xml><?xml version="1.0" encoding="utf-8"?>
+<file path=ppt/slideLayouts/slideLayout3.xml><?xml version="1.0" encoding="utf-8"?>
 <p:sldLayout xmlns:a="http://schemas.openxmlformats.org/drawingml/2006/main" xmlns:r="http://schemas.openxmlformats.org/officeDocument/2006/relationships" xmlns:p="http://schemas.openxmlformats.org/presentationml/2006/main" matchingName="One column text">
   <p:cSld name="ONE_COLUMN_TEXT">
     <p:spTree>
@@ -4564,7 +4088,7 @@
 </p:sldLayout>
 </file>
 
-<file path=ppt/slideLayouts/slideLayout5.xml><?xml version="1.0" encoding="utf-8"?>
+<file path=ppt/slideLayouts/slideLayout4.xml><?xml version="1.0" encoding="utf-8"?>
 <p:sldLayout xmlns:a="http://schemas.openxmlformats.org/drawingml/2006/main" xmlns:r="http://schemas.openxmlformats.org/officeDocument/2006/relationships" xmlns:p="http://schemas.openxmlformats.org/presentationml/2006/main" matchingName="Main point">
   <p:cSld name="MAIN_POINT">
     <p:spTree>
@@ -5039,7 +4563,7 @@
 </p:sldLayout>
 </file>
 
-<file path=ppt/slideLayouts/slideLayout6.xml><?xml version="1.0" encoding="utf-8"?>
+<file path=ppt/slideLayouts/slideLayout5.xml><?xml version="1.0" encoding="utf-8"?>
 <p:sldLayout xmlns:a="http://schemas.openxmlformats.org/drawingml/2006/main" xmlns:r="http://schemas.openxmlformats.org/officeDocument/2006/relationships" xmlns:p="http://schemas.openxmlformats.org/presentationml/2006/main" matchingName="Section title and description">
   <p:cSld name="SECTION_TITLE_AND_DESCRIPTION">
     <p:spTree>
@@ -5890,7 +5414,7 @@
 </p:sldLayout>
 </file>
 
-<file path=ppt/slideLayouts/slideLayout7.xml><?xml version="1.0" encoding="utf-8"?>
+<file path=ppt/slideLayouts/slideLayout6.xml><?xml version="1.0" encoding="utf-8"?>
 <p:sldLayout xmlns:a="http://schemas.openxmlformats.org/drawingml/2006/main" xmlns:r="http://schemas.openxmlformats.org/officeDocument/2006/relationships" xmlns:p="http://schemas.openxmlformats.org/presentationml/2006/main" matchingName="Big number">
   <p:cSld name="BIG_NUMBER">
     <p:spTree>
@@ -6527,7 +6051,7 @@
 </p:sldLayout>
 </file>
 
-<file path=ppt/slideLayouts/slideLayout8.xml><?xml version="1.0" encoding="utf-8"?>
+<file path=ppt/slideLayouts/slideLayout7.xml><?xml version="1.0" encoding="utf-8"?>
 <p:sldLayout xmlns:a="http://schemas.openxmlformats.org/drawingml/2006/main" xmlns:r="http://schemas.openxmlformats.org/officeDocument/2006/relationships" xmlns:p="http://schemas.openxmlformats.org/presentationml/2006/main" matchingName="Blank" type="blank">
   <p:cSld name="BLANK">
     <p:spTree>
@@ -7698,13 +7222,12 @@
   <p:clrMap bg1="lt1" tx1="dk1" bg2="dk2" tx2="lt2" accent1="accent1" accent2="accent2" accent3="accent3" accent4="accent4" accent5="accent5" accent6="accent6" hlink="hlink" folHlink="folHlink"/>
   <p:sldLayoutIdLst>
     <p:sldLayoutId id="2147483649" r:id="rId1"/>
-    <p:sldLayoutId id="2147483651" r:id="rId2"/>
-    <p:sldLayoutId id="2147483653" r:id="rId3"/>
-    <p:sldLayoutId id="2147483655" r:id="rId4"/>
-    <p:sldLayoutId id="2147483656" r:id="rId5"/>
-    <p:sldLayoutId id="2147483657" r:id="rId6"/>
-    <p:sldLayoutId id="2147483659" r:id="rId7"/>
-    <p:sldLayoutId id="2147483660" r:id="rId8"/>
+    <p:sldLayoutId id="2147483653" r:id="rId2"/>
+    <p:sldLayoutId id="2147483655" r:id="rId3"/>
+    <p:sldLayoutId id="2147483656" r:id="rId4"/>
+    <p:sldLayoutId id="2147483657" r:id="rId5"/>
+    <p:sldLayoutId id="2147483659" r:id="rId6"/>
+    <p:sldLayoutId id="2147483660" r:id="rId7"/>
   </p:sldLayoutIdLst>
   <p:hf hdr="0" ftr="0" dt="0"/>
   <p:txStyles>
@@ -8756,115 +8279,6 @@
 </p:sld>
 </file>
 
-<file path=ppt/slides/slide10.xml><?xml version="1.0" encoding="utf-8"?>
-<p:sld xmlns:a="http://schemas.openxmlformats.org/drawingml/2006/main" xmlns:r="http://schemas.openxmlformats.org/officeDocument/2006/relationships" xmlns:p="http://schemas.openxmlformats.org/presentationml/2006/main">
-  <p:cSld>
-    <p:spTree>
-      <p:nvGrpSpPr>
-        <p:cNvPr id="1" name=""/>
-        <p:cNvGrpSpPr/>
-        <p:nvPr/>
-      </p:nvGrpSpPr>
-      <p:grpSpPr>
-        <a:xfrm>
-          <a:off x="0" y="0"/>
-          <a:ext cx="0" cy="0"/>
-          <a:chOff x="0" y="0"/>
-          <a:chExt cx="0" cy="0"/>
-        </a:xfrm>
-      </p:grpSpPr>
-      <p:pic>
-        <p:nvPicPr>
-          <p:cNvPr id="2" name="Picture 1" descr="thankyou.PNG"/>
-          <p:cNvPicPr>
-            <a:picLocks noChangeAspect="1"/>
-          </p:cNvPicPr>
-          <p:nvPr/>
-        </p:nvPicPr>
-        <p:blipFill>
-          <a:blip r:embed="rId2"/>
-          <a:stretch>
-            <a:fillRect/>
-          </a:stretch>
-        </p:blipFill>
-        <p:spPr>
-          <a:xfrm>
-            <a:off x="1926634" y="1124983"/>
-            <a:ext cx="5087865" cy="2952004"/>
-          </a:xfrm>
-          <a:prstGeom prst="roundRect">
-            <a:avLst>
-              <a:gd name="adj" fmla="val 8594"/>
-            </a:avLst>
-          </a:prstGeom>
-          <a:solidFill>
-            <a:srgbClr val="FFFFFF">
-              <a:shade val="85000"/>
-            </a:srgbClr>
-          </a:solidFill>
-          <a:ln>
-            <a:noFill/>
-          </a:ln>
-          <a:effectLst>
-            <a:reflection blurRad="12700" stA="38000" endPos="28000" dist="5000" dir="5400000" sy="-100000" algn="bl" rotWithShape="0"/>
-          </a:effectLst>
-        </p:spPr>
-      </p:pic>
-      <p:sp>
-        <p:nvSpPr>
-          <p:cNvPr id="4" name="Slide Number Placeholder 3">
-            <a:extLst>
-              <a:ext uri="{FF2B5EF4-FFF2-40B4-BE49-F238E27FC236}">
-                <a16:creationId xmlns:a16="http://schemas.microsoft.com/office/drawing/2014/main" id="{4855045B-D452-5F5C-4DB2-1B5825D2D25C}"/>
-              </a:ext>
-            </a:extLst>
-          </p:cNvPr>
-          <p:cNvSpPr>
-            <a:spLocks noGrp="1"/>
-          </p:cNvSpPr>
-          <p:nvPr>
-            <p:ph type="sldNum" idx="12"/>
-          </p:nvPr>
-        </p:nvSpPr>
-        <p:spPr/>
-        <p:txBody>
-          <a:bodyPr/>
-          <a:lstStyle/>
-          <a:p>
-            <a:pPr marL="0" lvl="0" indent="0" algn="r" rtl="0">
-              <a:spcBef>
-                <a:spcPts val="0"/>
-              </a:spcBef>
-              <a:spcAft>
-                <a:spcPts val="0"/>
-              </a:spcAft>
-              <a:buNone/>
-            </a:pPr>
-            <a:fld id="{00000000-1234-1234-1234-123412341234}" type="slidenum">
-              <a:rPr lang="en" smtClean="0"/>
-              <a:pPr marL="0" lvl="0" indent="0" algn="r" rtl="0">
-                <a:spcBef>
-                  <a:spcPts val="0"/>
-                </a:spcBef>
-                <a:spcAft>
-                  <a:spcPts val="0"/>
-                </a:spcAft>
-                <a:buNone/>
-              </a:pPr>
-              <a:t>10</a:t>
-            </a:fld>
-            <a:endParaRPr lang="en"/>
-          </a:p>
-        </p:txBody>
-      </p:sp>
-    </p:spTree>
-  </p:cSld>
-  <p:clrMapOvr>
-    <a:masterClrMapping/>
-  </p:clrMapOvr>
-</p:sld>
-</file>
-
 <file path=ppt/slides/slide2.xml><?xml version="1.0" encoding="utf-8"?>
 <p:sld xmlns:a="http://schemas.openxmlformats.org/drawingml/2006/main" xmlns:r="http://schemas.openxmlformats.org/officeDocument/2006/relationships" xmlns:p="http://schemas.openxmlformats.org/presentationml/2006/main">
   <p:cSld>
@@ -9388,12 +8802,25 @@
             </a:r>
           </a:p>
           <a:p>
+            <a:pPr marL="457200" lvl="0" indent="-342900" algn="l" rtl="0">
+              <a:lnSpc>
+                <a:spcPct val="115000"/>
+              </a:lnSpc>
+              <a:spcBef>
+                <a:spcPts val="360"/>
+              </a:spcBef>
+              <a:spcAft>
+                <a:spcPts val="0"/>
+              </a:spcAft>
+              <a:buSzPts val="1800"/>
+              <a:buChar char="●"/>
+            </a:pPr>
             <a:r>
               <a:rPr lang="en-IN" dirty="0">
                 <a:latin typeface="Times New Roman" panose="02020603050405020304" pitchFamily="18" charset="0"/>
                 <a:cs typeface="Times New Roman" panose="02020603050405020304" pitchFamily="18" charset="0"/>
               </a:rPr>
-              <a:t>Deep Face</a:t>
+              <a:t>OpenCV</a:t>
             </a:r>
             <a:endParaRPr lang="en-GB" dirty="0">
               <a:latin typeface="Times New Roman" panose="02020603050405020304" pitchFamily="18" charset="0"/>
@@ -9423,25 +8850,12 @@
             </a:r>
           </a:p>
           <a:p>
-            <a:pPr marL="457200" lvl="0" indent="-342900" algn="l" rtl="0">
-              <a:lnSpc>
-                <a:spcPct val="115000"/>
-              </a:lnSpc>
-              <a:spcBef>
-                <a:spcPts val="360"/>
-              </a:spcBef>
-              <a:spcAft>
-                <a:spcPts val="0"/>
-              </a:spcAft>
-              <a:buSzPts val="1800"/>
-              <a:buChar char="●"/>
-            </a:pPr>
             <a:r>
               <a:rPr lang="en-IN" dirty="0">
                 <a:latin typeface="Times New Roman" panose="02020603050405020304" pitchFamily="18" charset="0"/>
                 <a:cs typeface="Times New Roman" panose="02020603050405020304" pitchFamily="18" charset="0"/>
               </a:rPr>
-              <a:t>OpenCV	</a:t>
+              <a:t>Deep Face	</a:t>
             </a:r>
           </a:p>
           <a:p>
@@ -9877,7 +9291,13 @@
       </p:sp>
       <p:pic>
         <p:nvPicPr>
-          <p:cNvPr id="8" name="Picture 7" descr="imag 1_24481 (1).png"/>
+          <p:cNvPr id="5" name="Picture 4">
+            <a:extLst>
+              <a:ext uri="{FF2B5EF4-FFF2-40B4-BE49-F238E27FC236}">
+                <a16:creationId xmlns:a16="http://schemas.microsoft.com/office/drawing/2014/main" id="{33C39897-4B87-E765-367B-0B38BEC14928}"/>
+              </a:ext>
+            </a:extLst>
+          </p:cNvPr>
           <p:cNvPicPr>
             <a:picLocks noChangeAspect="1"/>
           </p:cNvPicPr>
@@ -9891,32 +9311,8 @@
         </p:blipFill>
         <p:spPr>
           <a:xfrm>
-            <a:off x="3117862" y="825209"/>
-            <a:ext cx="4164588" cy="3574911"/>
-          </a:xfrm>
-          <a:prstGeom prst="rect">
-            <a:avLst/>
-          </a:prstGeom>
-        </p:spPr>
-      </p:pic>
-      <p:pic>
-        <p:nvPicPr>
-          <p:cNvPr id="9" name="Picture 8" descr="2222.PNG"/>
-          <p:cNvPicPr>
-            <a:picLocks noChangeAspect="1"/>
-          </p:cNvPicPr>
-          <p:nvPr/>
-        </p:nvPicPr>
-        <p:blipFill>
-          <a:blip r:embed="rId5"/>
-          <a:stretch>
-            <a:fillRect/>
-          </a:stretch>
-        </p:blipFill>
-        <p:spPr>
-          <a:xfrm>
-            <a:off x="2752404" y="472258"/>
-            <a:ext cx="5082981" cy="4198984"/>
+            <a:off x="2840294" y="355603"/>
+            <a:ext cx="4293132" cy="4432294"/>
           </a:xfrm>
           <a:prstGeom prst="rect">
             <a:avLst/>
@@ -9932,96 +9328,6 @@
 </file>
 
 <file path=ppt/slides/slide7.xml><?xml version="1.0" encoding="utf-8"?>
-<p:sld xmlns:a="http://schemas.openxmlformats.org/drawingml/2006/main" xmlns:r="http://schemas.openxmlformats.org/officeDocument/2006/relationships" xmlns:p="http://schemas.openxmlformats.org/presentationml/2006/main">
-  <p:cSld>
-    <p:spTree>
-      <p:nvGrpSpPr>
-        <p:cNvPr id="1" name=""/>
-        <p:cNvGrpSpPr/>
-        <p:nvPr/>
-      </p:nvGrpSpPr>
-      <p:grpSpPr>
-        <a:xfrm>
-          <a:off x="0" y="0"/>
-          <a:ext cx="0" cy="0"/>
-          <a:chOff x="0" y="0"/>
-          <a:chExt cx="0" cy="0"/>
-        </a:xfrm>
-      </p:grpSpPr>
-      <p:sp>
-        <p:nvSpPr>
-          <p:cNvPr id="2" name="Slide Number Placeholder 1"/>
-          <p:cNvSpPr>
-            <a:spLocks noGrp="1"/>
-          </p:cNvSpPr>
-          <p:nvPr>
-            <p:ph type="sldNum" idx="12"/>
-          </p:nvPr>
-        </p:nvSpPr>
-        <p:spPr/>
-        <p:txBody>
-          <a:bodyPr/>
-          <a:lstStyle/>
-          <a:p>
-            <a:pPr marL="0" lvl="0" indent="0" algn="r" rtl="0">
-              <a:spcBef>
-                <a:spcPts val="0"/>
-              </a:spcBef>
-              <a:spcAft>
-                <a:spcPts val="0"/>
-              </a:spcAft>
-              <a:buNone/>
-            </a:pPr>
-            <a:fld id="{00000000-1234-1234-1234-123412341234}" type="slidenum">
-              <a:rPr lang="en" smtClean="0"/>
-              <a:pPr marL="0" lvl="0" indent="0" algn="r" rtl="0">
-                <a:spcBef>
-                  <a:spcPts val="0"/>
-                </a:spcBef>
-                <a:spcAft>
-                  <a:spcPts val="0"/>
-                </a:spcAft>
-                <a:buNone/>
-              </a:pPr>
-              <a:t>7</a:t>
-            </a:fld>
-            <a:endParaRPr lang="en"/>
-          </a:p>
-        </p:txBody>
-      </p:sp>
-      <p:pic>
-        <p:nvPicPr>
-          <p:cNvPr id="4" name="Picture 3" descr="Capture1111.PNG"/>
-          <p:cNvPicPr>
-            <a:picLocks noChangeAspect="1"/>
-          </p:cNvPicPr>
-          <p:nvPr/>
-        </p:nvPicPr>
-        <p:blipFill>
-          <a:blip r:embed="rId2"/>
-          <a:stretch>
-            <a:fillRect/>
-          </a:stretch>
-        </p:blipFill>
-        <p:spPr>
-          <a:xfrm>
-            <a:off x="73822" y="0"/>
-            <a:ext cx="8996356" cy="5143500"/>
-          </a:xfrm>
-          <a:prstGeom prst="rect">
-            <a:avLst/>
-          </a:prstGeom>
-        </p:spPr>
-      </p:pic>
-    </p:spTree>
-  </p:cSld>
-  <p:clrMapOvr>
-    <a:masterClrMapping/>
-  </p:clrMapOvr>
-</p:sld>
-</file>
-
-<file path=ppt/slides/slide8.xml><?xml version="1.0" encoding="utf-8"?>
 <p:sld xmlns:a="http://schemas.openxmlformats.org/drawingml/2006/main" xmlns:r="http://schemas.openxmlformats.org/officeDocument/2006/relationships" xmlns:p="http://schemas.openxmlformats.org/presentationml/2006/main">
   <p:cSld>
     <p:spTree>
@@ -10203,7 +9509,7 @@
                 </a:spcAft>
                 <a:buNone/>
               </a:pPr>
-              <a:t>8</a:t>
+              <a:t>7</a:t>
             </a:fld>
             <a:endParaRPr lang="en"/>
           </a:p>
@@ -10217,7 +9523,7 @@
 </p:sld>
 </file>
 
-<file path=ppt/slides/slide9.xml><?xml version="1.0" encoding="utf-8"?>
+<file path=ppt/slides/slide8.xml><?xml version="1.0" encoding="utf-8"?>
 <p:sld xmlns:a="http://schemas.openxmlformats.org/drawingml/2006/main" xmlns:r="http://schemas.openxmlformats.org/officeDocument/2006/relationships" xmlns:p="http://schemas.openxmlformats.org/presentationml/2006/main">
   <p:cSld>
     <p:spTree>
@@ -10372,6 +9678,115 @@
             <a:extLst>
               <a:ext uri="{FF2B5EF4-FFF2-40B4-BE49-F238E27FC236}">
                 <a16:creationId xmlns:a16="http://schemas.microsoft.com/office/drawing/2014/main" id="{C3578500-5ADC-A951-B6DF-058F70443956}"/>
+              </a:ext>
+            </a:extLst>
+          </p:cNvPr>
+          <p:cNvSpPr>
+            <a:spLocks noGrp="1"/>
+          </p:cNvSpPr>
+          <p:nvPr>
+            <p:ph type="sldNum" idx="12"/>
+          </p:nvPr>
+        </p:nvSpPr>
+        <p:spPr/>
+        <p:txBody>
+          <a:bodyPr/>
+          <a:lstStyle/>
+          <a:p>
+            <a:pPr marL="0" lvl="0" indent="0" algn="r" rtl="0">
+              <a:spcBef>
+                <a:spcPts val="0"/>
+              </a:spcBef>
+              <a:spcAft>
+                <a:spcPts val="0"/>
+              </a:spcAft>
+              <a:buNone/>
+            </a:pPr>
+            <a:fld id="{00000000-1234-1234-1234-123412341234}" type="slidenum">
+              <a:rPr lang="en" smtClean="0"/>
+              <a:pPr marL="0" lvl="0" indent="0" algn="r" rtl="0">
+                <a:spcBef>
+                  <a:spcPts val="0"/>
+                </a:spcBef>
+                <a:spcAft>
+                  <a:spcPts val="0"/>
+                </a:spcAft>
+                <a:buNone/>
+              </a:pPr>
+              <a:t>8</a:t>
+            </a:fld>
+            <a:endParaRPr lang="en"/>
+          </a:p>
+        </p:txBody>
+      </p:sp>
+    </p:spTree>
+  </p:cSld>
+  <p:clrMapOvr>
+    <a:masterClrMapping/>
+  </p:clrMapOvr>
+</p:sld>
+</file>
+
+<file path=ppt/slides/slide9.xml><?xml version="1.0" encoding="utf-8"?>
+<p:sld xmlns:a="http://schemas.openxmlformats.org/drawingml/2006/main" xmlns:r="http://schemas.openxmlformats.org/officeDocument/2006/relationships" xmlns:p="http://schemas.openxmlformats.org/presentationml/2006/main">
+  <p:cSld>
+    <p:spTree>
+      <p:nvGrpSpPr>
+        <p:cNvPr id="1" name=""/>
+        <p:cNvGrpSpPr/>
+        <p:nvPr/>
+      </p:nvGrpSpPr>
+      <p:grpSpPr>
+        <a:xfrm>
+          <a:off x="0" y="0"/>
+          <a:ext cx="0" cy="0"/>
+          <a:chOff x="0" y="0"/>
+          <a:chExt cx="0" cy="0"/>
+        </a:xfrm>
+      </p:grpSpPr>
+      <p:pic>
+        <p:nvPicPr>
+          <p:cNvPr id="2" name="Picture 1" descr="thankyou.PNG"/>
+          <p:cNvPicPr>
+            <a:picLocks noChangeAspect="1"/>
+          </p:cNvPicPr>
+          <p:nvPr/>
+        </p:nvPicPr>
+        <p:blipFill>
+          <a:blip r:embed="rId2"/>
+          <a:stretch>
+            <a:fillRect/>
+          </a:stretch>
+        </p:blipFill>
+        <p:spPr>
+          <a:xfrm>
+            <a:off x="1926634" y="1124983"/>
+            <a:ext cx="5087865" cy="2952004"/>
+          </a:xfrm>
+          <a:prstGeom prst="roundRect">
+            <a:avLst>
+              <a:gd name="adj" fmla="val 8594"/>
+            </a:avLst>
+          </a:prstGeom>
+          <a:solidFill>
+            <a:srgbClr val="FFFFFF">
+              <a:shade val="85000"/>
+            </a:srgbClr>
+          </a:solidFill>
+          <a:ln>
+            <a:noFill/>
+          </a:ln>
+          <a:effectLst>
+            <a:reflection blurRad="12700" stA="38000" endPos="28000" dist="5000" dir="5400000" sy="-100000" algn="bl" rotWithShape="0"/>
+          </a:effectLst>
+        </p:spPr>
+      </p:pic>
+      <p:sp>
+        <p:nvSpPr>
+          <p:cNvPr id="4" name="Slide Number Placeholder 3">
+            <a:extLst>
+              <a:ext uri="{FF2B5EF4-FFF2-40B4-BE49-F238E27FC236}">
+                <a16:creationId xmlns:a16="http://schemas.microsoft.com/office/drawing/2014/main" id="{4855045B-D452-5F5C-4DB2-1B5825D2D25C}"/>
               </a:ext>
             </a:extLst>
           </p:cNvPr>
